--- a/SlackにメッセージがとべばOK.pptx
+++ b/SlackにメッセージがとべばOK.pptx
@@ -104,6 +104,11 @@
       </a:defRPr>
     </a:lvl9pPr>
   </p:defaultTextStyle>
+  <p:extLst>
+    <p:ext uri="{EFAFB233-063F-42B5-8137-9DF3F51BA10A}">
+      <p15:sldGuideLst xmlns:p15="http://schemas.microsoft.com/office/powerpoint/2012/main"/>
+    </p:ext>
+  </p:extLst>
 </p:presentation>
 </file>
 
@@ -152,7 +157,6 @@
               <a:rPr kumimoji="1" lang="ja-JP" altLang="en-US"/>
               <a:t>マスター タイトルの書式設定</a:t>
             </a:r>
-            <a:endParaRPr kumimoji="1" lang="ja-JP" altLang="en-US"/>
           </a:p>
         </p:txBody>
       </p:sp>
@@ -217,7 +221,6 @@
               <a:rPr kumimoji="1" lang="ja-JP" altLang="en-US"/>
               <a:t>マスター サブタイトルの書式設定</a:t>
             </a:r>
-            <a:endParaRPr kumimoji="1" lang="ja-JP" altLang="en-US"/>
           </a:p>
         </p:txBody>
       </p:sp>
@@ -335,7 +338,6 @@
               <a:rPr kumimoji="1" lang="ja-JP" altLang="en-US"/>
               <a:t>マスター タイトルの書式設定</a:t>
             </a:r>
-            <a:endParaRPr kumimoji="1" lang="ja-JP" altLang="en-US"/>
           </a:p>
         </p:txBody>
       </p:sp>
@@ -419,7 +421,6 @@
               <a:rPr kumimoji="1" lang="ja-JP" altLang="en-US"/>
               <a:t>レベル</a:t>
             </a:r>
-            <a:endParaRPr kumimoji="1" lang="ja-JP" altLang="en-US"/>
           </a:p>
         </p:txBody>
       </p:sp>
@@ -542,7 +543,6 @@
               <a:rPr kumimoji="1" lang="ja-JP" altLang="en-US"/>
               <a:t>マスター タイトルの書式設定</a:t>
             </a:r>
-            <a:endParaRPr kumimoji="1" lang="ja-JP" altLang="en-US"/>
           </a:p>
         </p:txBody>
       </p:sp>
@@ -631,7 +631,6 @@
               <a:rPr kumimoji="1" lang="ja-JP" altLang="en-US"/>
               <a:t>レベル</a:t>
             </a:r>
-            <a:endParaRPr kumimoji="1" lang="ja-JP" altLang="en-US"/>
           </a:p>
         </p:txBody>
       </p:sp>
@@ -749,7 +748,6 @@
               <a:rPr kumimoji="1" lang="ja-JP" altLang="en-US"/>
               <a:t>マスター タイトルの書式設定</a:t>
             </a:r>
-            <a:endParaRPr kumimoji="1" lang="ja-JP" altLang="en-US"/>
           </a:p>
         </p:txBody>
       </p:sp>
@@ -833,7 +831,6 @@
               <a:rPr kumimoji="1" lang="ja-JP" altLang="en-US"/>
               <a:t>レベル</a:t>
             </a:r>
-            <a:endParaRPr kumimoji="1" lang="ja-JP" altLang="en-US"/>
           </a:p>
         </p:txBody>
       </p:sp>
@@ -960,7 +957,6 @@
               <a:rPr kumimoji="1" lang="ja-JP" altLang="en-US"/>
               <a:t>マスター タイトルの書式設定</a:t>
             </a:r>
-            <a:endParaRPr kumimoji="1" lang="ja-JP" altLang="en-US"/>
           </a:p>
         </p:txBody>
       </p:sp>
@@ -1197,7 +1193,6 @@
               <a:rPr kumimoji="1" lang="ja-JP" altLang="en-US"/>
               <a:t>マスター タイトルの書式設定</a:t>
             </a:r>
-            <a:endParaRPr kumimoji="1" lang="ja-JP" altLang="en-US"/>
           </a:p>
         </p:txBody>
       </p:sp>
@@ -1286,7 +1281,6 @@
               <a:rPr kumimoji="1" lang="ja-JP" altLang="en-US"/>
               <a:t>レベル</a:t>
             </a:r>
-            <a:endParaRPr kumimoji="1" lang="ja-JP" altLang="en-US"/>
           </a:p>
         </p:txBody>
       </p:sp>
@@ -1375,7 +1369,6 @@
               <a:rPr kumimoji="1" lang="ja-JP" altLang="en-US"/>
               <a:t>レベル</a:t>
             </a:r>
-            <a:endParaRPr kumimoji="1" lang="ja-JP" altLang="en-US"/>
           </a:p>
         </p:txBody>
       </p:sp>
@@ -1498,7 +1491,6 @@
               <a:rPr kumimoji="1" lang="ja-JP" altLang="en-US"/>
               <a:t>マスター タイトルの書式設定</a:t>
             </a:r>
-            <a:endParaRPr kumimoji="1" lang="ja-JP" altLang="en-US"/>
           </a:p>
         </p:txBody>
       </p:sp>
@@ -1652,7 +1644,6 @@
               <a:rPr kumimoji="1" lang="ja-JP" altLang="en-US"/>
               <a:t>レベル</a:t>
             </a:r>
-            <a:endParaRPr kumimoji="1" lang="ja-JP" altLang="en-US"/>
           </a:p>
         </p:txBody>
       </p:sp>
@@ -1806,7 +1797,6 @@
               <a:rPr kumimoji="1" lang="ja-JP" altLang="en-US"/>
               <a:t>レベル</a:t>
             </a:r>
-            <a:endParaRPr kumimoji="1" lang="ja-JP" altLang="en-US"/>
           </a:p>
         </p:txBody>
       </p:sp>
@@ -1924,7 +1914,6 @@
               <a:rPr kumimoji="1" lang="ja-JP" altLang="en-US"/>
               <a:t>マスター タイトルの書式設定</a:t>
             </a:r>
-            <a:endParaRPr kumimoji="1" lang="ja-JP" altLang="en-US"/>
           </a:p>
         </p:txBody>
       </p:sp>
@@ -2146,7 +2135,6 @@
               <a:rPr kumimoji="1" lang="ja-JP" altLang="en-US"/>
               <a:t>マスター タイトルの書式設定</a:t>
             </a:r>
-            <a:endParaRPr kumimoji="1" lang="ja-JP" altLang="en-US"/>
           </a:p>
         </p:txBody>
       </p:sp>
@@ -2263,7 +2251,6 @@
               <a:rPr kumimoji="1" lang="ja-JP" altLang="en-US"/>
               <a:t>レベル</a:t>
             </a:r>
-            <a:endParaRPr kumimoji="1" lang="ja-JP" altLang="en-US"/>
           </a:p>
         </p:txBody>
       </p:sp>
@@ -2455,7 +2442,6 @@
               <a:rPr kumimoji="1" lang="ja-JP" altLang="en-US"/>
               <a:t>マスター タイトルの書式設定</a:t>
             </a:r>
-            <a:endParaRPr kumimoji="1" lang="ja-JP" altLang="en-US"/>
           </a:p>
         </p:txBody>
       </p:sp>
@@ -2714,7 +2700,6 @@
               <a:rPr kumimoji="1" lang="ja-JP" altLang="en-US"/>
               <a:t>マスター タイトルの書式設定</a:t>
             </a:r>
-            <a:endParaRPr kumimoji="1" lang="ja-JP" altLang="en-US"/>
           </a:p>
         </p:txBody>
       </p:sp>
@@ -2808,7 +2793,6 @@
               <a:rPr kumimoji="1" lang="ja-JP" altLang="en-US"/>
               <a:t>レベル</a:t>
             </a:r>
-            <a:endParaRPr kumimoji="1" lang="ja-JP" altLang="en-US"/>
           </a:p>
         </p:txBody>
       </p:sp>
@@ -3264,7 +3248,9 @@
         </p:nvSpPr>
         <p:spPr/>
         <p:txBody>
-          <a:bodyPr/>
+          <a:bodyPr>
+            <a:normAutofit fontScale="90000"/>
+          </a:bodyPr>
           <a:lstStyle/>
           <a:p>
             <a:r>
@@ -3278,6 +3264,17 @@
             <a:r>
               <a:rPr kumimoji="1" lang="en-US" altLang="ja-JP" dirty="0"/>
               <a:t>OK</a:t>
+            </a:r>
+            <a:br>
+              <a:rPr kumimoji="1" lang="en-US" altLang="ja-JP" dirty="0"/>
+            </a:br>
+            <a:r>
+              <a:rPr kumimoji="1" lang="en-US" altLang="ja-JP" dirty="0"/>
+              <a:t>2</a:t>
+            </a:r>
+            <a:r>
+              <a:rPr kumimoji="1" lang="ja-JP" altLang="en-US"/>
+              <a:t>回目</a:t>
             </a:r>
             <a:endParaRPr kumimoji="1" lang="ja-JP" altLang="en-US" dirty="0"/>
           </a:p>
